--- a/assets/images/open-graph.pptx
+++ b/assets/images/open-graph.pptx
@@ -104,6 +104,11 @@
       </a:defRPr>
     </a:lvl9pPr>
   </p:defaultTextStyle>
+  <p:extLst>
+    <p:ext uri="{EFAFB233-063F-42B5-8137-9DF3F51BA10A}">
+      <p15:sldGuideLst xmlns:p15="http://schemas.microsoft.com/office/powerpoint/2012/main"/>
+    </p:ext>
+  </p:extLst>
 </p:presentation>
 </file>
 
@@ -2974,18 +2979,20 @@
         </p:nvSpPr>
         <p:spPr>
           <a:xfrm>
-            <a:off x="4810259" y="4792553"/>
-            <a:ext cx="8615967" cy="8615967"/>
+            <a:off x="1680197" y="3948490"/>
+            <a:ext cx="13723926" cy="8184895"/>
           </a:xfrm>
           <a:prstGeom prst="rect">
             <a:avLst/>
           </a:prstGeom>
           <a:gradFill flip="none" rotWithShape="1">
             <a:gsLst>
-              <a:gs pos="0">
-                <a:schemeClr val="bg1"/>
+              <a:gs pos="100000">
+                <a:schemeClr val="bg1">
+                  <a:lumMod val="95000"/>
+                </a:schemeClr>
               </a:gs>
-              <a:gs pos="100000">
+              <a:gs pos="63000">
                 <a:schemeClr val="bg1"/>
               </a:gs>
             </a:gsLst>
@@ -2994,7 +3001,7 @@
             </a:path>
             <a:tileRect l="-100000" t="-100000"/>
           </a:gradFill>
-          <a:ln w="174625">
+          <a:ln w="254000">
             <a:solidFill>
               <a:schemeClr val="tx1">
                 <a:lumMod val="95000"/>
@@ -3041,7 +3048,7 @@
         </p:nvSpPr>
         <p:spPr>
           <a:xfrm>
-            <a:off x="6087947" y="5852263"/>
+            <a:off x="4646011" y="5570911"/>
             <a:ext cx="7100219" cy="3416320"/>
           </a:xfrm>
           <a:prstGeom prst="rect">
@@ -3055,6 +3062,7 @@
           </a:bodyPr>
           <a:lstStyle/>
           <a:p>
+            <a:pPr marL="1097280"/>
             <a:r>
               <a:rPr lang="en-US" sz="7200" b="1" dirty="0">
                 <a:latin typeface="Roboto" panose="02000000000000000000" pitchFamily="2" charset="0"/>
@@ -3064,6 +3072,7 @@
             </a:r>
           </a:p>
           <a:p>
+            <a:pPr marL="1097280"/>
             <a:r>
               <a:rPr lang="en-US" sz="7200" b="1" dirty="0">
                 <a:latin typeface="Roboto" panose="02000000000000000000" pitchFamily="2" charset="0"/>
@@ -3073,6 +3082,7 @@
             </a:r>
           </a:p>
           <a:p>
+            <a:pPr marL="1097280"/>
             <a:r>
               <a:rPr lang="en-US" sz="7200" b="1" dirty="0">
                 <a:latin typeface="Roboto" panose="02000000000000000000" pitchFamily="2" charset="0"/>
@@ -3091,8 +3101,8 @@
         </p:nvSpPr>
         <p:spPr>
           <a:xfrm>
-            <a:off x="5470656" y="5785622"/>
-            <a:ext cx="378933" cy="3595769"/>
+            <a:off x="5032872" y="5703542"/>
+            <a:ext cx="348020" cy="3080720"/>
           </a:xfrm>
           <a:prstGeom prst="rect">
             <a:avLst/>
